--- a/实验演示.pptx
+++ b/实验演示.pptx
@@ -2932,153 +2932,6 @@
           </a:p>
         </p:txBody>
       </p:sp>
-      <p:sp>
-        <p:nvSpPr>
-          <p:cNvPr id="3" name="矩形 2"/>
-          <p:cNvSpPr/>
-          <p:nvPr/>
-        </p:nvSpPr>
-        <p:spPr>
-          <a:xfrm>
-            <a:off x="9304021" y="2740833"/>
-            <a:ext cx="2441686" cy="707882"/>
-          </a:xfrm>
-          <a:prstGeom prst="rect">
-            <a:avLst/>
-          </a:prstGeom>
-          <a:solidFill>
-            <a:schemeClr val="bg1"/>
-          </a:solidFill>
-        </p:spPr>
-        <p:txBody>
-          <a:bodyPr wrap="none" lIns="91436" tIns="45718" rIns="91436" bIns="45718">
-            <a:spAutoFit/>
-          </a:bodyPr>
-          <a:lstStyle/>
-          <a:p>
-            <a:r>
-              <a:rPr kumimoji="1" lang="zh-CN" altLang="en-US" sz="2000" dirty="0">
-                <a:latin typeface="+mn-ea"/>
-              </a:rPr>
-              <a:t>演讲者：赵虎</a:t>
-            </a:r>
-            <a:endParaRPr kumimoji="1" lang="en-US" altLang="zh-CN" sz="2000" dirty="0">
-              <a:latin typeface="+mn-ea"/>
-            </a:endParaRPr>
-          </a:p>
-          <a:p>
-            <a:r>
-              <a:rPr kumimoji="1" lang="en-US" altLang="zh-CN" sz="2000" dirty="0">
-                <a:latin typeface="+mn-ea"/>
-              </a:rPr>
-              <a:t>PPT</a:t>
-            </a:r>
-            <a:r>
-              <a:rPr kumimoji="1" lang="zh-CN" altLang="en-US" sz="2000" dirty="0">
-                <a:latin typeface="+mn-ea"/>
-              </a:rPr>
-              <a:t>制作者：李雅菲</a:t>
-            </a:r>
-            <a:endParaRPr kumimoji="1" lang="en-US" altLang="zh-CN" sz="2000" dirty="0">
-              <a:latin typeface="+mn-ea"/>
-            </a:endParaRPr>
-          </a:p>
-        </p:txBody>
-      </p:sp>
-      <p:sp>
-        <p:nvSpPr>
-          <p:cNvPr id="4" name="文本框 1"/>
-          <p:cNvSpPr txBox="1"/>
-          <p:nvPr/>
-        </p:nvSpPr>
-        <p:spPr>
-          <a:xfrm>
-            <a:off x="4358639" y="4632579"/>
-            <a:ext cx="3825240" cy="1390633"/>
-          </a:xfrm>
-          <a:prstGeom prst="rect">
-            <a:avLst/>
-          </a:prstGeom>
-          <a:noFill/>
-        </p:spPr>
-        <p:txBody>
-          <a:bodyPr wrap="square" lIns="91436" tIns="45718" rIns="91436" bIns="45718" rtlCol="0">
-            <a:spAutoFit/>
-          </a:bodyPr>
-          <a:lstStyle/>
-          <a:p>
-            <a:pPr>
-              <a:lnSpc>
-                <a:spcPct val="120000"/>
-              </a:lnSpc>
-            </a:pPr>
-            <a:r>
-              <a:rPr kumimoji="1" lang="zh-CN" altLang="en-US" sz="2400" dirty="0">
-                <a:solidFill>
-                  <a:schemeClr val="bg1"/>
-                </a:solidFill>
-              </a:rPr>
-              <a:t>成员：</a:t>
-            </a:r>
-            <a:endParaRPr kumimoji="1" lang="en-US" altLang="zh-CN" sz="2400" dirty="0">
-              <a:solidFill>
-                <a:schemeClr val="bg1"/>
-              </a:solidFill>
-            </a:endParaRPr>
-          </a:p>
-          <a:p>
-            <a:pPr>
-              <a:lnSpc>
-                <a:spcPct val="120000"/>
-              </a:lnSpc>
-            </a:pPr>
-            <a:r>
-              <a:rPr kumimoji="1" lang="zh-CN" altLang="en-US" sz="2400" dirty="0">
-                <a:solidFill>
-                  <a:schemeClr val="bg1"/>
-                </a:solidFill>
-              </a:rPr>
-              <a:t>李雅菲 </a:t>
-            </a:r>
-            <a:r>
-              <a:rPr kumimoji="1" lang="en-US" altLang="zh-CN" sz="2400" dirty="0">
-                <a:solidFill>
-                  <a:schemeClr val="bg1"/>
-                </a:solidFill>
-              </a:rPr>
-              <a:t>201600301226</a:t>
-            </a:r>
-          </a:p>
-          <a:p>
-            <a:pPr>
-              <a:lnSpc>
-                <a:spcPct val="120000"/>
-              </a:lnSpc>
-            </a:pPr>
-            <a:r>
-              <a:rPr kumimoji="1" lang="zh-CN" altLang="en-US" sz="2400" dirty="0">
-                <a:solidFill>
-                  <a:schemeClr val="bg1"/>
-                </a:solidFill>
-              </a:rPr>
-              <a:t>赵虎 </a:t>
-            </a:r>
-            <a:r>
-              <a:rPr kumimoji="1" lang="en-US" altLang="zh-CN" sz="2400" dirty="0">
-                <a:solidFill>
-                  <a:schemeClr val="bg1"/>
-                </a:solidFill>
-              </a:rPr>
-              <a:t>201600301325</a:t>
-            </a:r>
-            <a:endParaRPr kumimoji="1" lang="zh-CN" altLang="en-US" sz="2400" dirty="0">
-              <a:solidFill>
-                <a:schemeClr val="bg1"/>
-              </a:solidFill>
-            </a:endParaRPr>
-          </a:p>
-        </p:txBody>
-      </p:sp>
     </p:spTree>
     <p:extLst>
       <p:ext uri="{BB962C8B-B14F-4D97-AF65-F5344CB8AC3E}">
